--- a/kubernetes/k8s003.pptx
+++ b/kubernetes/k8s003.pptx
@@ -207,7 +207,7 @@
           <a:p>
             <a:fld id="{63F136E3-80C6-A842-B275-74FC7A4265FC}" type="datetimeFigureOut">
               <a:rPr kumimoji="1" lang="zh-CN" altLang="en-US" smtClean="0"/>
-              <a:t>2019/6/22</a:t>
+              <a:t>2019/6/29</a:t>
             </a:fld>
             <a:endParaRPr kumimoji="1" lang="zh-CN" altLang="en-US"/>
           </a:p>
@@ -2386,7 +2386,7 @@
           <a:effectLst/>
           <a:extLst>
             <a:ext uri="{91240B29-F687-4f45-9708-019B960494DF}">
-              <a14:hiddenLine xmlns:a14="http://schemas.microsoft.com/office/drawing/2010/main" xmlns="" w="9525">
+              <a14:hiddenLine xmlns="" xmlns:a14="http://schemas.microsoft.com/office/drawing/2010/main" w="9525">
                 <a:solidFill>
                   <a:srgbClr val="000000"/>
                 </a:solidFill>
@@ -2579,7 +2579,7 @@
             <a:fld id="{08B9EBBA-996F-894A-B54A-D6246ED52CEA}" type="datetimeFigureOut">
               <a:rPr lang="en-US" dirty="0"/>
               <a:pPr/>
-              <a:t>6/22/19</a:t>
+              <a:t>6/29/2019</a:t>
             </a:fld>
             <a:endParaRPr lang="en-US" dirty="0"/>
           </a:p>
@@ -2894,7 +2894,7 @@
             <a:fld id="{18C79C5D-2A6F-F04D-97DA-BEF2467B64E4}" type="datetimeFigureOut">
               <a:rPr lang="en-US" dirty="0"/>
               <a:pPr/>
-              <a:t>6/22/19</a:t>
+              <a:t>6/29/2019</a:t>
             </a:fld>
             <a:endParaRPr lang="en-US" dirty="0"/>
           </a:p>
@@ -3379,7 +3379,7 @@
             <a:fld id="{8DFA1846-DA80-1C48-A609-854EA85C59AD}" type="datetimeFigureOut">
               <a:rPr lang="en-US" dirty="0"/>
               <a:pPr/>
-              <a:t>6/22/19</a:t>
+              <a:t>6/29/2019</a:t>
             </a:fld>
             <a:endParaRPr lang="en-US" dirty="0"/>
           </a:p>
@@ -3745,7 +3745,7 @@
             <a:fld id="{FBF54567-0DE4-3F47-BF90-CB84690072F9}" type="datetimeFigureOut">
               <a:rPr lang="en-US" dirty="0"/>
               <a:pPr/>
-              <a:t>6/22/19</a:t>
+              <a:t>6/29/2019</a:t>
             </a:fld>
             <a:endParaRPr lang="en-US" dirty="0"/>
           </a:p>
@@ -3896,7 +3896,7 @@
           <a:ln/>
           <a:extLst>
             <a:ext uri="{91240B29-F687-4f45-9708-019B960494DF}">
-              <a14:hiddenLine xmlns:a14="http://schemas.microsoft.com/office/drawing/2010/main" xmlns="" w="9525">
+              <a14:hiddenLine xmlns="" xmlns:a14="http://schemas.microsoft.com/office/drawing/2010/main" w="9525">
                 <a:solidFill>
                   <a:srgbClr val="000000"/>
                 </a:solidFill>
@@ -4015,7 +4015,7 @@
             <a:fld id="{C6C52C72-DE31-F449-A4ED-4C594FD91407}" type="datetimeFigureOut">
               <a:rPr lang="en-US" dirty="0"/>
               <a:pPr/>
-              <a:t>6/22/19</a:t>
+              <a:t>6/29/2019</a:t>
             </a:fld>
             <a:endParaRPr lang="en-US" dirty="0"/>
           </a:p>
@@ -4168,7 +4168,7 @@
           <a:ln/>
           <a:extLst>
             <a:ext uri="{91240B29-F687-4f45-9708-019B960494DF}">
-              <a14:hiddenLine xmlns:a14="http://schemas.microsoft.com/office/drawing/2010/main" xmlns="" w="9525">
+              <a14:hiddenLine xmlns="" xmlns:a14="http://schemas.microsoft.com/office/drawing/2010/main" w="9525">
                 <a:solidFill>
                   <a:srgbClr val="000000"/>
                 </a:solidFill>
@@ -4297,7 +4297,7 @@
             <a:fld id="{ED62726E-379B-B349-9EED-81ED093FA806}" type="datetimeFigureOut">
               <a:rPr lang="en-US" dirty="0"/>
               <a:pPr/>
-              <a:t>6/22/19</a:t>
+              <a:t>6/29/2019</a:t>
             </a:fld>
             <a:endParaRPr lang="en-US" dirty="0"/>
           </a:p>
@@ -4448,7 +4448,7 @@
           <a:ln/>
           <a:extLst>
             <a:ext uri="{91240B29-F687-4f45-9708-019B960494DF}">
-              <a14:hiddenLine xmlns:a14="http://schemas.microsoft.com/office/drawing/2010/main" xmlns="" w="9525">
+              <a14:hiddenLine xmlns="" xmlns:a14="http://schemas.microsoft.com/office/drawing/2010/main" w="9525">
                 <a:solidFill>
                   <a:srgbClr val="000000"/>
                 </a:solidFill>
@@ -4577,7 +4577,7 @@
             <a:fld id="{9B3A1323-8D79-1946-B0D7-40001CF92E9D}" type="datetimeFigureOut">
               <a:rPr lang="en-US" dirty="0"/>
               <a:pPr/>
-              <a:t>6/22/19</a:t>
+              <a:t>6/29/2019</a:t>
             </a:fld>
             <a:endParaRPr lang="en-US" dirty="0"/>
           </a:p>
@@ -4917,7 +4917,7 @@
             <a:fld id="{8DFA1846-DA80-1C48-A609-854EA85C59AD}" type="datetimeFigureOut">
               <a:rPr lang="en-US" dirty="0"/>
               <a:pPr/>
-              <a:t>6/22/19</a:t>
+              <a:t>6/29/2019</a:t>
             </a:fld>
             <a:endParaRPr lang="en-US" dirty="0"/>
           </a:p>
@@ -5068,7 +5068,7 @@
           <a:ln/>
           <a:extLst>
             <a:ext uri="{91240B29-F687-4f45-9708-019B960494DF}">
-              <a14:hiddenLine xmlns:a14="http://schemas.microsoft.com/office/drawing/2010/main" xmlns="" w="9525">
+              <a14:hiddenLine xmlns="" xmlns:a14="http://schemas.microsoft.com/office/drawing/2010/main" w="9525">
                 <a:solidFill>
                   <a:srgbClr val="000000"/>
                 </a:solidFill>
@@ -5253,7 +5253,7 @@
             <a:fld id="{57302355-E14B-8545-A8F8-0FE83CC9D524}" type="datetimeFigureOut">
               <a:rPr lang="en-US" dirty="0"/>
               <a:pPr/>
-              <a:t>6/22/19</a:t>
+              <a:t>6/29/2019</a:t>
             </a:fld>
             <a:endParaRPr lang="en-US" dirty="0"/>
           </a:p>
@@ -5404,7 +5404,7 @@
           <a:ln/>
           <a:extLst>
             <a:ext uri="{91240B29-F687-4f45-9708-019B960494DF}">
-              <a14:hiddenLine xmlns:a14="http://schemas.microsoft.com/office/drawing/2010/main" xmlns="" w="9525">
+              <a14:hiddenLine xmlns="" xmlns:a14="http://schemas.microsoft.com/office/drawing/2010/main" w="9525">
                 <a:solidFill>
                   <a:srgbClr val="000000"/>
                 </a:solidFill>
@@ -5727,7 +5727,7 @@
             <a:fld id="{02640F58-564D-2B4F-AE67-E407BA4FCF45}" type="datetimeFigureOut">
               <a:rPr lang="en-US" dirty="0"/>
               <a:pPr/>
-              <a:t>6/22/19</a:t>
+              <a:t>6/29/2019</a:t>
             </a:fld>
             <a:endParaRPr lang="en-US" dirty="0"/>
           </a:p>
@@ -5878,7 +5878,7 @@
           <a:ln/>
           <a:extLst>
             <a:ext uri="{91240B29-F687-4f45-9708-019B960494DF}">
-              <a14:hiddenLine xmlns:a14="http://schemas.microsoft.com/office/drawing/2010/main" xmlns="" w="9525">
+              <a14:hiddenLine xmlns="" xmlns:a14="http://schemas.microsoft.com/office/drawing/2010/main" w="9525">
                 <a:solidFill>
                   <a:srgbClr val="000000"/>
                 </a:solidFill>
@@ -5945,7 +5945,7 @@
             <a:fld id="{F13A34C8-038E-2045-AF43-DF7DBB8E0E9E}" type="datetimeFigureOut">
               <a:rPr lang="en-US" dirty="0"/>
               <a:pPr/>
-              <a:t>6/22/19</a:t>
+              <a:t>6/29/2019</a:t>
             </a:fld>
             <a:endParaRPr lang="en-US" dirty="0"/>
           </a:p>
@@ -6037,7 +6037,7 @@
             <a:fld id="{8818C68F-D26B-8F47-958C-23B49CF8A634}" type="datetimeFigureOut">
               <a:rPr lang="en-US" dirty="0"/>
               <a:pPr/>
-              <a:t>6/22/19</a:t>
+              <a:t>6/29/2019</a:t>
             </a:fld>
             <a:endParaRPr lang="en-US" dirty="0"/>
           </a:p>
@@ -6301,7 +6301,7 @@
           <a:ln/>
           <a:extLst>
             <a:ext uri="{91240B29-F687-4f45-9708-019B960494DF}">
-              <a14:hiddenLine xmlns:a14="http://schemas.microsoft.com/office/drawing/2010/main" xmlns="" w="9525">
+              <a14:hiddenLine xmlns="" xmlns:a14="http://schemas.microsoft.com/office/drawing/2010/main" w="9525">
                 <a:solidFill>
                   <a:srgbClr val="000000"/>
                 </a:solidFill>
@@ -6501,7 +6501,7 @@
             <a:fld id="{D0DF5E60-9974-AC48-9591-99C2BB44B7CF}" type="datetimeFigureOut">
               <a:rPr lang="en-US" dirty="0"/>
               <a:pPr/>
-              <a:t>6/22/19</a:t>
+              <a:t>6/29/2019</a:t>
             </a:fld>
             <a:endParaRPr lang="en-US" dirty="0"/>
           </a:p>
@@ -6811,7 +6811,7 @@
             <a:fld id="{18C79C5D-2A6F-F04D-97DA-BEF2467B64E4}" type="datetimeFigureOut">
               <a:rPr lang="en-US" dirty="0"/>
               <a:pPr/>
-              <a:t>6/22/19</a:t>
+              <a:t>6/29/2019</a:t>
             </a:fld>
             <a:endParaRPr lang="en-US" dirty="0"/>
           </a:p>
@@ -7078,7 +7078,7 @@
             <a:fld id="{09B482E8-6E0E-1B4F-B1FD-C69DB9E858D9}" type="datetimeFigureOut">
               <a:rPr lang="en-US" dirty="0"/>
               <a:pPr/>
-              <a:t>6/22/19</a:t>
+              <a:t>6/29/2019</a:t>
             </a:fld>
             <a:endParaRPr lang="en-US" dirty="0"/>
           </a:p>
@@ -7969,8 +7969,17 @@
             </a:r>
             <a:r>
               <a:rPr lang="en-US" altLang="zh-CN" dirty="0"/>
-              <a:t> get pods --show-all</a:t>
-            </a:r>
+              <a:t> </a:t>
+            </a:r>
+            <a:r>
+              <a:rPr lang="en-US" altLang="zh-CN"/>
+              <a:t>get </a:t>
+            </a:r>
+            <a:r>
+              <a:rPr lang="en-US" altLang="zh-CN" smtClean="0"/>
+              <a:t>pods</a:t>
+            </a:r>
+            <a:endParaRPr lang="en-US" altLang="zh-CN" dirty="0"/>
           </a:p>
           <a:p>
             <a:r>
@@ -8856,28 +8865,24 @@
             </a:r>
             <a:r>
               <a:rPr lang="en-US" altLang="zh-CN" dirty="0"/>
-              <a:t> apply -f</a:t>
+              <a:t> apply -f </a:t>
+            </a:r>
+            <a:r>
+              <a:rPr lang="en-US" altLang="zh-CN" dirty="0" err="1"/>
+              <a:t>redis</a:t>
+            </a:r>
+            <a:r>
+              <a:rPr lang="en-US" altLang="zh-CN" dirty="0"/>
+              <a:t>-master-</a:t>
+            </a:r>
+            <a:r>
+              <a:rPr lang="en-US" altLang="zh-CN" dirty="0" err="1"/>
+              <a:t>deployment.yaml</a:t>
             </a:r>
             <a:r>
               <a:rPr lang="en-US" altLang="zh-CN" dirty="0"/>
               <a:t> </a:t>
             </a:r>
-            <a:r>
-              <a:rPr lang="en-US" altLang="zh-CN" dirty="0" err="1"/>
-              <a:t>redis</a:t>
-            </a:r>
-            <a:r>
-              <a:rPr lang="en-US" altLang="zh-CN" dirty="0"/>
-              <a:t>-master-</a:t>
-            </a:r>
-            <a:r>
-              <a:rPr lang="en-US" altLang="zh-CN" dirty="0" err="1"/>
-              <a:t>deployment.yaml</a:t>
-            </a:r>
-            <a:r>
-              <a:rPr lang="en-US" altLang="zh-CN" dirty="0"/>
-              <a:t> </a:t>
-            </a:r>
           </a:p>
           <a:p>
             <a:r>
@@ -8888,7 +8893,6 @@
               <a:rPr lang="en-US" altLang="zh-CN" dirty="0"/>
               <a:t> get pods</a:t>
             </a:r>
-            <a:endParaRPr lang="en-US" altLang="zh-CN" dirty="0"/>
           </a:p>
           <a:p>
             <a:r>
@@ -9102,11 +9106,7 @@
             </a:r>
             <a:r>
               <a:rPr lang="en-US" altLang="zh-CN" dirty="0"/>
-              <a:t>apply -f </a:t>
-            </a:r>
-            <a:r>
-              <a:rPr lang="en-US" altLang="zh-CN" dirty="0"/>
-              <a:t>frontend-</a:t>
+              <a:t>apply -f frontend-</a:t>
             </a:r>
             <a:r>
               <a:rPr lang="en-US" altLang="zh-CN" dirty="0" err="1"/>
